--- a/figures/cbseexample.pptx
+++ b/figures/cbseexample.pptx
@@ -243,7 +243,7 @@
           <a:p>
             <a:fld id="{78D058AD-E3D9-4ECE-9B93-51BC760EEC8A}" type="datetimeFigureOut">
               <a:rPr lang="fr-FR" smtClean="0"/>
-              <a:t>22/10/2016</a:t>
+              <a:t>12/11/2016</a:t>
             </a:fld>
             <a:endParaRPr lang="fr-FR"/>
           </a:p>
@@ -413,7 +413,7 @@
           <a:p>
             <a:fld id="{78D058AD-E3D9-4ECE-9B93-51BC760EEC8A}" type="datetimeFigureOut">
               <a:rPr lang="fr-FR" smtClean="0"/>
-              <a:t>22/10/2016</a:t>
+              <a:t>12/11/2016</a:t>
             </a:fld>
             <a:endParaRPr lang="fr-FR"/>
           </a:p>
@@ -593,7 +593,7 @@
           <a:p>
             <a:fld id="{78D058AD-E3D9-4ECE-9B93-51BC760EEC8A}" type="datetimeFigureOut">
               <a:rPr lang="fr-FR" smtClean="0"/>
-              <a:t>22/10/2016</a:t>
+              <a:t>12/11/2016</a:t>
             </a:fld>
             <a:endParaRPr lang="fr-FR"/>
           </a:p>
@@ -763,7 +763,7 @@
           <a:p>
             <a:fld id="{78D058AD-E3D9-4ECE-9B93-51BC760EEC8A}" type="datetimeFigureOut">
               <a:rPr lang="fr-FR" smtClean="0"/>
-              <a:t>22/10/2016</a:t>
+              <a:t>12/11/2016</a:t>
             </a:fld>
             <a:endParaRPr lang="fr-FR"/>
           </a:p>
@@ -1009,7 +1009,7 @@
           <a:p>
             <a:fld id="{78D058AD-E3D9-4ECE-9B93-51BC760EEC8A}" type="datetimeFigureOut">
               <a:rPr lang="fr-FR" smtClean="0"/>
-              <a:t>22/10/2016</a:t>
+              <a:t>12/11/2016</a:t>
             </a:fld>
             <a:endParaRPr lang="fr-FR"/>
           </a:p>
@@ -1241,7 +1241,7 @@
           <a:p>
             <a:fld id="{78D058AD-E3D9-4ECE-9B93-51BC760EEC8A}" type="datetimeFigureOut">
               <a:rPr lang="fr-FR" smtClean="0"/>
-              <a:t>22/10/2016</a:t>
+              <a:t>12/11/2016</a:t>
             </a:fld>
             <a:endParaRPr lang="fr-FR"/>
           </a:p>
@@ -1608,7 +1608,7 @@
           <a:p>
             <a:fld id="{78D058AD-E3D9-4ECE-9B93-51BC760EEC8A}" type="datetimeFigureOut">
               <a:rPr lang="fr-FR" smtClean="0"/>
-              <a:t>22/10/2016</a:t>
+              <a:t>12/11/2016</a:t>
             </a:fld>
             <a:endParaRPr lang="fr-FR"/>
           </a:p>
@@ -1726,7 +1726,7 @@
           <a:p>
             <a:fld id="{78D058AD-E3D9-4ECE-9B93-51BC760EEC8A}" type="datetimeFigureOut">
               <a:rPr lang="fr-FR" smtClean="0"/>
-              <a:t>22/10/2016</a:t>
+              <a:t>12/11/2016</a:t>
             </a:fld>
             <a:endParaRPr lang="fr-FR"/>
           </a:p>
@@ -1821,7 +1821,7 @@
           <a:p>
             <a:fld id="{78D058AD-E3D9-4ECE-9B93-51BC760EEC8A}" type="datetimeFigureOut">
               <a:rPr lang="fr-FR" smtClean="0"/>
-              <a:t>22/10/2016</a:t>
+              <a:t>12/11/2016</a:t>
             </a:fld>
             <a:endParaRPr lang="fr-FR"/>
           </a:p>
@@ -2098,7 +2098,7 @@
           <a:p>
             <a:fld id="{78D058AD-E3D9-4ECE-9B93-51BC760EEC8A}" type="datetimeFigureOut">
               <a:rPr lang="fr-FR" smtClean="0"/>
-              <a:t>22/10/2016</a:t>
+              <a:t>12/11/2016</a:t>
             </a:fld>
             <a:endParaRPr lang="fr-FR"/>
           </a:p>
@@ -2351,7 +2351,7 @@
           <a:p>
             <a:fld id="{78D058AD-E3D9-4ECE-9B93-51BC760EEC8A}" type="datetimeFigureOut">
               <a:rPr lang="fr-FR" smtClean="0"/>
-              <a:t>22/10/2016</a:t>
+              <a:t>12/11/2016</a:t>
             </a:fld>
             <a:endParaRPr lang="fr-FR"/>
           </a:p>
@@ -2564,7 +2564,7 @@
           <a:p>
             <a:fld id="{78D058AD-E3D9-4ECE-9B93-51BC760EEC8A}" type="datetimeFigureOut">
               <a:rPr lang="fr-FR" smtClean="0"/>
-              <a:t>22/10/2016</a:t>
+              <a:t>12/11/2016</a:t>
             </a:fld>
             <a:endParaRPr lang="fr-FR"/>
           </a:p>
@@ -2977,7 +2977,7 @@
         </p:nvGrpSpPr>
         <p:grpSpPr>
           <a:xfrm>
-            <a:off x="81481" y="538795"/>
+            <a:off x="36217" y="66732"/>
             <a:ext cx="4608216" cy="1306795"/>
             <a:chOff x="18106" y="15011"/>
             <a:chExt cx="4608216" cy="1306795"/>
@@ -3391,15 +3391,7 @@
                     <a:srgbClr val="000000"/>
                   </a:solidFill>
                 </a:rPr>
-                <a:t>fifo</a:t>
-              </a:r>
-              <a:r>
-                <a:rPr lang="en-GB" sz="1400" smtClean="0">
-                  <a:solidFill>
-                    <a:srgbClr val="000000"/>
-                  </a:solidFill>
-                </a:rPr>
-                <a:t>:</a:t>
+                <a:t>fifo:</a:t>
               </a:r>
             </a:p>
             <a:p>
@@ -4127,30 +4119,6 @@
           </p:txBody>
         </p:sp>
       </p:grpSp>
-      <p:pic>
-        <p:nvPicPr>
-          <p:cNvPr id="2" name="Image 1"/>
-          <p:cNvPicPr>
-            <a:picLocks noChangeAspect="1"/>
-          </p:cNvPicPr>
-          <p:nvPr/>
-        </p:nvPicPr>
-        <p:blipFill>
-          <a:blip r:embed="rId2"/>
-          <a:stretch>
-            <a:fillRect/>
-          </a:stretch>
-        </p:blipFill>
-        <p:spPr>
-          <a:xfrm>
-            <a:off x="4804353" y="15322"/>
-            <a:ext cx="2600325" cy="3067050"/>
-          </a:xfrm>
-          <a:prstGeom prst="rect">
-            <a:avLst/>
-          </a:prstGeom>
-        </p:spPr>
-      </p:pic>
       <p:cxnSp>
         <p:nvCxnSpPr>
           <p:cNvPr id="28" name="Connecteur droit 27"/>
@@ -4184,6 +4152,30 @@
           </a:fontRef>
         </p:style>
       </p:cxnSp>
+      <p:pic>
+        <p:nvPicPr>
+          <p:cNvPr id="30" name="Image 29"/>
+          <p:cNvPicPr>
+            <a:picLocks noChangeAspect="1"/>
+          </p:cNvPicPr>
+          <p:nvPr/>
+        </p:nvPicPr>
+        <p:blipFill>
+          <a:blip r:embed="rId2"/>
+          <a:stretch>
+            <a:fillRect/>
+          </a:stretch>
+        </p:blipFill>
+        <p:spPr>
+          <a:xfrm>
+            <a:off x="4850635" y="-25004"/>
+            <a:ext cx="1681694" cy="1453431"/>
+          </a:xfrm>
+          <a:prstGeom prst="rect">
+            <a:avLst/>
+          </a:prstGeom>
+        </p:spPr>
+      </p:pic>
     </p:spTree>
     <p:extLst>
       <p:ext uri="{BB962C8B-B14F-4D97-AF65-F5344CB8AC3E}">
